--- a/Database Administrator/Module1-Artificial Intelligence & Big Data Analytics – An Introduction/1.1-AI and Big Data in Society(1th-3p)/Artificial Intelligence & Big Data Analytics - Copy.pptx
+++ b/Database Administrator/Module1-Artificial Intelligence & Big Data Analytics – An Introduction/1.1-AI and Big Data in Society(1th-3p)/Artificial Intelligence & Big Data Analytics - Copy.pptx
@@ -123,6 +123,30 @@
 <file path=ppt/changesInfos/changesInfo1.xml><?xml version="1.0" encoding="utf-8"?>
 <pc:chgInfo xmlns:a="http://schemas.openxmlformats.org/drawingml/2006/main" xmlns:r="http://schemas.openxmlformats.org/officeDocument/2006/relationships" xmlns:ac="http://schemas.microsoft.com/office/drawing/2013/main/command" xmlns:pc="http://schemas.microsoft.com/office/powerpoint/2013/main/command">
   <pc:docChgLst>
+    <pc:chgData name="Krishna Kant Dubey" userId="cd28fa1e1902c48d" providerId="LiveId" clId="{E2E3D700-2751-43C9-9FB1-C238CDEF038C}"/>
+    <pc:docChg chg="modSld">
+      <pc:chgData name="Krishna Kant Dubey" userId="cd28fa1e1902c48d" providerId="LiveId" clId="{E2E3D700-2751-43C9-9FB1-C238CDEF038C}" dt="2025-08-11T06:05:44.396" v="0"/>
+      <pc:docMkLst>
+        <pc:docMk/>
+      </pc:docMkLst>
+      <pc:sldChg chg="addSp modSp">
+        <pc:chgData name="Krishna Kant Dubey" userId="cd28fa1e1902c48d" providerId="LiveId" clId="{E2E3D700-2751-43C9-9FB1-C238CDEF038C}" dt="2025-08-11T06:05:44.396" v="0"/>
+        <pc:sldMkLst>
+          <pc:docMk/>
+          <pc:sldMk cId="2381247086" sldId="257"/>
+        </pc:sldMkLst>
+        <pc:picChg chg="add mod">
+          <ac:chgData name="Krishna Kant Dubey" userId="cd28fa1e1902c48d" providerId="LiveId" clId="{E2E3D700-2751-43C9-9FB1-C238CDEF038C}" dt="2025-08-11T06:05:44.396" v="0"/>
+          <ac:picMkLst>
+            <pc:docMk/>
+            <pc:sldMk cId="2381247086" sldId="257"/>
+            <ac:picMk id="3" creationId="{5BE762ED-AB82-6E63-7C12-EC7F69FD61F6}"/>
+          </ac:picMkLst>
+        </pc:picChg>
+      </pc:sldChg>
+    </pc:docChg>
+  </pc:docChgLst>
+  <pc:docChgLst>
     <pc:chgData name="Krishna Kant Dubey" userId="cd28fa1e1902c48d" providerId="LiveId" clId="{D66E7EAC-AE87-492A-9EF6-5392BE37986D}"/>
     <pc:docChg chg="delSld modSld">
       <pc:chgData name="Krishna Kant Dubey" userId="cd28fa1e1902c48d" providerId="LiveId" clId="{D66E7EAC-AE87-492A-9EF6-5392BE37986D}" dt="2025-07-30T08:31:14.757" v="22" actId="2696"/>
@@ -298,7 +322,7 @@
           <a:p>
             <a:fld id="{771BC1E5-8BD3-45A8-A8D4-BE6B8D3F526F}" type="datetimeFigureOut">
               <a:rPr lang="en-IN" smtClean="0"/>
-              <a:t>30-07-2025</a:t>
+              <a:t>11-08-2025</a:t>
             </a:fld>
             <a:endParaRPr lang="en-IN"/>
           </a:p>
@@ -715,7 +739,7 @@
           <a:p>
             <a:fld id="{8B8265E5-5E35-4F50-869B-ACC7CF337DF9}" type="datetimeFigureOut">
               <a:rPr lang="en-IN" smtClean="0"/>
-              <a:t>30-07-2025</a:t>
+              <a:t>11-08-2025</a:t>
             </a:fld>
             <a:endParaRPr lang="en-IN"/>
           </a:p>
@@ -915,7 +939,7 @@
           <a:p>
             <a:fld id="{8B8265E5-5E35-4F50-869B-ACC7CF337DF9}" type="datetimeFigureOut">
               <a:rPr lang="en-IN" smtClean="0"/>
-              <a:t>30-07-2025</a:t>
+              <a:t>11-08-2025</a:t>
             </a:fld>
             <a:endParaRPr lang="en-IN"/>
           </a:p>
@@ -1125,7 +1149,7 @@
           <a:p>
             <a:fld id="{8B8265E5-5E35-4F50-869B-ACC7CF337DF9}" type="datetimeFigureOut">
               <a:rPr lang="en-IN" smtClean="0"/>
-              <a:t>30-07-2025</a:t>
+              <a:t>11-08-2025</a:t>
             </a:fld>
             <a:endParaRPr lang="en-IN"/>
           </a:p>
@@ -1325,7 +1349,7 @@
           <a:p>
             <a:fld id="{8B8265E5-5E35-4F50-869B-ACC7CF337DF9}" type="datetimeFigureOut">
               <a:rPr lang="en-IN" smtClean="0"/>
-              <a:t>30-07-2025</a:t>
+              <a:t>11-08-2025</a:t>
             </a:fld>
             <a:endParaRPr lang="en-IN"/>
           </a:p>
@@ -1601,7 +1625,7 @@
           <a:p>
             <a:fld id="{8B8265E5-5E35-4F50-869B-ACC7CF337DF9}" type="datetimeFigureOut">
               <a:rPr lang="en-IN" smtClean="0"/>
-              <a:t>30-07-2025</a:t>
+              <a:t>11-08-2025</a:t>
             </a:fld>
             <a:endParaRPr lang="en-IN"/>
           </a:p>
@@ -1869,7 +1893,7 @@
           <a:p>
             <a:fld id="{8B8265E5-5E35-4F50-869B-ACC7CF337DF9}" type="datetimeFigureOut">
               <a:rPr lang="en-IN" smtClean="0"/>
-              <a:t>30-07-2025</a:t>
+              <a:t>11-08-2025</a:t>
             </a:fld>
             <a:endParaRPr lang="en-IN"/>
           </a:p>
@@ -2284,7 +2308,7 @@
           <a:p>
             <a:fld id="{8B8265E5-5E35-4F50-869B-ACC7CF337DF9}" type="datetimeFigureOut">
               <a:rPr lang="en-IN" smtClean="0"/>
-              <a:t>30-07-2025</a:t>
+              <a:t>11-08-2025</a:t>
             </a:fld>
             <a:endParaRPr lang="en-IN"/>
           </a:p>
@@ -2426,7 +2450,7 @@
           <a:p>
             <a:fld id="{8B8265E5-5E35-4F50-869B-ACC7CF337DF9}" type="datetimeFigureOut">
               <a:rPr lang="en-IN" smtClean="0"/>
-              <a:t>30-07-2025</a:t>
+              <a:t>11-08-2025</a:t>
             </a:fld>
             <a:endParaRPr lang="en-IN"/>
           </a:p>
@@ -2539,7 +2563,7 @@
           <a:p>
             <a:fld id="{8B8265E5-5E35-4F50-869B-ACC7CF337DF9}" type="datetimeFigureOut">
               <a:rPr lang="en-IN" smtClean="0"/>
-              <a:t>30-07-2025</a:t>
+              <a:t>11-08-2025</a:t>
             </a:fld>
             <a:endParaRPr lang="en-IN"/>
           </a:p>
@@ -2852,7 +2876,7 @@
           <a:p>
             <a:fld id="{8B8265E5-5E35-4F50-869B-ACC7CF337DF9}" type="datetimeFigureOut">
               <a:rPr lang="en-IN" smtClean="0"/>
-              <a:t>30-07-2025</a:t>
+              <a:t>11-08-2025</a:t>
             </a:fld>
             <a:endParaRPr lang="en-IN"/>
           </a:p>
@@ -3141,7 +3165,7 @@
           <a:p>
             <a:fld id="{8B8265E5-5E35-4F50-869B-ACC7CF337DF9}" type="datetimeFigureOut">
               <a:rPr lang="en-IN" smtClean="0"/>
-              <a:t>30-07-2025</a:t>
+              <a:t>11-08-2025</a:t>
             </a:fld>
             <a:endParaRPr lang="en-IN"/>
           </a:p>
@@ -3384,7 +3408,7 @@
           <a:p>
             <a:fld id="{8B8265E5-5E35-4F50-869B-ACC7CF337DF9}" type="datetimeFigureOut">
               <a:rPr lang="en-IN" smtClean="0"/>
-              <a:t>30-07-2025</a:t>
+              <a:t>11-08-2025</a:t>
             </a:fld>
             <a:endParaRPr lang="en-IN"/>
           </a:p>
@@ -3933,6 +3957,41 @@
           </a:p>
         </p:txBody>
       </p:sp>
+      <p:pic>
+        <p:nvPicPr>
+          <p:cNvPr id="3" name="Content Placeholder 4">
+            <a:extLst>
+              <a:ext uri="{FF2B5EF4-FFF2-40B4-BE49-F238E27FC236}">
+                <a16:creationId xmlns:a16="http://schemas.microsoft.com/office/drawing/2014/main" id="{5BE762ED-AB82-6E63-7C12-EC7F69FD61F6}"/>
+              </a:ext>
+            </a:extLst>
+          </p:cNvPr>
+          <p:cNvPicPr>
+            <a:picLocks noChangeAspect="1"/>
+          </p:cNvPicPr>
+          <p:nvPr/>
+        </p:nvPicPr>
+        <p:blipFill>
+          <a:blip r:embed="rId4">
+            <a:extLst>
+              <a:ext uri="{28A0092B-C50C-407E-A947-70E740481C1C}">
+                <a14:useLocalDpi xmlns:a14="http://schemas.microsoft.com/office/drawing/2010/main" val="0"/>
+              </a:ext>
+            </a:extLst>
+          </a:blip>
+          <a:srcRect/>
+          <a:stretch/>
+        </p:blipFill>
+        <p:spPr>
+          <a:xfrm>
+            <a:off x="0" y="0"/>
+            <a:ext cx="12198095" cy="6858000"/>
+          </a:xfrm>
+          <a:prstGeom prst="rect">
+            <a:avLst/>
+          </a:prstGeom>
+        </p:spPr>
+      </p:pic>
     </p:spTree>
     <p:extLst>
       <p:ext uri="{BB962C8B-B14F-4D97-AF65-F5344CB8AC3E}">
